--- a/azure/getting_started_slides_m2_webapps.pptx
+++ b/azure/getting_started_slides_m2_webapps.pptx
@@ -226,7 +226,7 @@
           <a:p>
             <a:fld id="{BE1B5227-671A-4331-BA8E-6A194D65408B}" type="datetimeFigureOut">
               <a:rPr lang="en-US" smtClean="0"/>
-              <a:t>12/9/2017</a:t>
+              <a:t>1/15/2018</a:t>
             </a:fld>
             <a:endParaRPr lang="en-US"/>
           </a:p>
@@ -391,7 +391,7 @@
           <a:p>
             <a:fld id="{27872E6B-C85C-424E-AD51-4389090A2C7D}" type="datetimeFigureOut">
               <a:rPr lang="en-US" smtClean="0"/>
-              <a:t>12/9/2017</a:t>
+              <a:t>1/15/2018</a:t>
             </a:fld>
             <a:endParaRPr lang="en-US"/>
           </a:p>
@@ -851,7 +851,7 @@
                 </a:solidFill>
               </a:rPr>
               <a:pPr/>
-              <a:t>12/9/2017</a:t>
+              <a:t>1/15/2018</a:t>
             </a:fld>
             <a:endParaRPr lang="en-US" dirty="0">
               <a:solidFill>
@@ -27314,13 +27314,13 @@
   <p:clrMapOvr>
     <a:masterClrMapping/>
   </p:clrMapOvr>
-  <mc:AlternateContent xmlns:mc="http://schemas.openxmlformats.org/markup-compatibility/2006" xmlns:p159="http://schemas.microsoft.com/office/powerpoint/2015/09/main">
-    <mc:Choice Requires="p159">
+  <mc:AlternateContent xmlns:mc="http://schemas.openxmlformats.org/markup-compatibility/2006">
+    <mc:Choice xmlns:p159="http://schemas.microsoft.com/office/powerpoint/2015/09/main" Requires="p159">
       <p:transition>
         <p159:morph option="byObject"/>
       </p:transition>
     </mc:Choice>
-    <mc:Fallback xmlns="">
+    <mc:Fallback>
       <p:transition>
         <p:fade/>
       </p:transition>
